--- a/Pshae-2_Review-1.pptx
+++ b/Pshae-2_Review-1.pptx
@@ -11,6 +11,7 @@
     <p:sldId id="262" r:id="rId5"/>
     <p:sldId id="260" r:id="rId6"/>
     <p:sldId id="261" r:id="rId7"/>
+    <p:sldId id="264" r:id="rId8"/>
   </p:sldIdLst>
   <p:sldSz cx="12192000" cy="6858000"/>
   <p:notesSz cx="6858000" cy="9144000"/>
@@ -5895,7 +5896,7 @@
         <p:spPr>
           <a:xfrm>
             <a:off x="1204332" y="1873405"/>
-            <a:ext cx="9813073" cy="2585323"/>
+            <a:ext cx="9813073" cy="5909310"/>
           </a:xfrm>
           <a:prstGeom prst="rect">
             <a:avLst/>
@@ -5933,6 +5934,76 @@
               <a:rPr lang="en-US" dirty="0"/>
               <a:t>I need to have control check to have leads to go first to featured providers and Pro package service providers. After that the rest gets them. </a:t>
             </a:r>
+          </a:p>
+          <a:p>
+            <a:pPr marL="342900" indent="-342900">
+              <a:buAutoNum type="arabicPeriod"/>
+            </a:pPr>
+            <a:endParaRPr lang="en-US" dirty="0"/>
+          </a:p>
+          <a:p>
+            <a:r>
+              <a:rPr lang="en-US" dirty="0"/>
+              <a:t>Validate leads before sending to providers because many leads may come with bad pone numbers. </a:t>
+            </a:r>
+          </a:p>
+          <a:p>
+            <a:r>
+              <a:rPr lang="en-US" dirty="0"/>
+              <a:t>for </a:t>
+            </a:r>
+            <a:r>
+              <a:rPr lang="en-US" dirty="0" err="1"/>
+              <a:t>exmaple</a:t>
+            </a:r>
+            <a:r>
+              <a:rPr lang="en-US" dirty="0"/>
+              <a:t>, if click "submit request" button, display modal for phone verification. and then if verification is </a:t>
+            </a:r>
+            <a:r>
+              <a:rPr lang="en-US" dirty="0" err="1"/>
+              <a:t>successed</a:t>
+            </a:r>
+            <a:r>
+              <a:rPr lang="en-US" dirty="0"/>
+              <a:t>, run for submitting requestion function.</a:t>
+            </a:r>
+          </a:p>
+          <a:p>
+            <a:endParaRPr lang="en-US" dirty="0"/>
+          </a:p>
+          <a:p>
+            <a:r>
+              <a:rPr lang="en-US" dirty="0"/>
+              <a:t>Customers can create service requests without limits (membership is only for providers)</a:t>
+            </a:r>
+          </a:p>
+          <a:p>
+            <a:r>
+              <a:rPr lang="en-US" dirty="0"/>
+              <a:t>Lead limits only apply when providers accept/pay for leads</a:t>
+            </a:r>
+          </a:p>
+          <a:p>
+            <a:r>
+              <a:rPr lang="en-US" dirty="0"/>
+              <a:t>Limits are enforced monthly (resets each month)</a:t>
+            </a:r>
+          </a:p>
+          <a:p>
+            <a:r>
+              <a:rPr lang="en-US" dirty="0"/>
+              <a:t>Pro plan has unlimited leads (null = unlimited)</a:t>
+            </a:r>
+          </a:p>
+          <a:p>
+            <a:endParaRPr lang="en-US" dirty="0"/>
+          </a:p>
+          <a:p>
+            <a:pPr marL="342900" indent="-342900">
+              <a:buAutoNum type="arabicPeriod"/>
+            </a:pPr>
+            <a:endParaRPr lang="en-US" dirty="0"/>
           </a:p>
           <a:p>
             <a:pPr marL="342900" indent="-342900">
@@ -5987,6 +6058,357 @@
     <p:extLst>
       <p:ext uri="{BB962C8B-B14F-4D97-AF65-F5344CB8AC3E}">
         <p14:creationId xmlns:p14="http://schemas.microsoft.com/office/powerpoint/2010/main" val="192360376"/>
+      </p:ext>
+    </p:extLst>
+  </p:cSld>
+  <p:clrMapOvr>
+    <a:masterClrMapping/>
+  </p:clrMapOvr>
+</p:sld>
+</file>
+
+<file path=ppt/slides/slide7.xml><?xml version="1.0" encoding="utf-8"?>
+<p:sld xmlns:a="http://schemas.openxmlformats.org/drawingml/2006/main" xmlns:r="http://schemas.openxmlformats.org/officeDocument/2006/relationships" xmlns:p="http://schemas.openxmlformats.org/presentationml/2006/main">
+  <p:cSld>
+    <p:spTree>
+      <p:nvGrpSpPr>
+        <p:cNvPr id="1" name=""/>
+        <p:cNvGrpSpPr/>
+        <p:nvPr/>
+      </p:nvGrpSpPr>
+      <p:grpSpPr>
+        <a:xfrm>
+          <a:off x="0" y="0"/>
+          <a:ext cx="0" cy="0"/>
+          <a:chOff x="0" y="0"/>
+          <a:chExt cx="0" cy="0"/>
+        </a:xfrm>
+      </p:grpSpPr>
+      <p:sp>
+        <p:nvSpPr>
+          <p:cNvPr id="3" name="TextBox 2">
+            <a:extLst>
+              <a:ext uri="{FF2B5EF4-FFF2-40B4-BE49-F238E27FC236}">
+                <a16:creationId xmlns:a16="http://schemas.microsoft.com/office/drawing/2014/main" id="{90446438-FFD0-BC4A-93BE-D9D2A87A08DF}"/>
+              </a:ext>
+            </a:extLst>
+          </p:cNvPr>
+          <p:cNvSpPr txBox="1"/>
+          <p:nvPr/>
+        </p:nvSpPr>
+        <p:spPr>
+          <a:xfrm>
+            <a:off x="3047260" y="345759"/>
+            <a:ext cx="6094520" cy="6170920"/>
+          </a:xfrm>
+          <a:prstGeom prst="rect">
+            <a:avLst/>
+          </a:prstGeom>
+          <a:noFill/>
+        </p:spPr>
+        <p:txBody>
+          <a:bodyPr wrap="square">
+            <a:spAutoFit/>
+          </a:bodyPr>
+          <a:lstStyle/>
+          <a:p>
+            <a:pPr>
+              <a:spcBef>
+                <a:spcPts val="1350"/>
+              </a:spcBef>
+              <a:spcAft>
+                <a:spcPts val="600"/>
+              </a:spcAft>
+              <a:buNone/>
+            </a:pPr>
+            <a:r>
+              <a:rPr lang="en-US" b="1" dirty="0">
+                <a:effectLst/>
+              </a:rPr>
+              <a:t>Resulting behavior</a:t>
+            </a:r>
+          </a:p>
+          <a:p>
+            <a:pPr>
+              <a:spcBef>
+                <a:spcPts val="150"/>
+              </a:spcBef>
+              <a:spcAft>
+                <a:spcPts val="150"/>
+              </a:spcAft>
+              <a:buFont typeface="Arial" panose="020B0604020202020204" pitchFamily="34" charset="0"/>
+              <a:buChar char="•"/>
+            </a:pPr>
+            <a:r>
+              <a:rPr lang="en-US" b="1" dirty="0">
+                <a:effectLst/>
+              </a:rPr>
+              <a:t>Customer clicks “Submit Request”</a:t>
+            </a:r>
+            <a:endParaRPr lang="en-US" dirty="0">
+              <a:effectLst/>
+            </a:endParaRPr>
+          </a:p>
+          <a:p>
+            <a:pPr>
+              <a:spcBef>
+                <a:spcPts val="150"/>
+              </a:spcBef>
+              <a:spcAft>
+                <a:spcPts val="150"/>
+              </a:spcAft>
+              <a:buFont typeface="Arial" panose="020B0604020202020204" pitchFamily="34" charset="0"/>
+              <a:buChar char="•"/>
+            </a:pPr>
+            <a:r>
+              <a:rPr lang="en-US" dirty="0">
+                <a:effectLst/>
+              </a:rPr>
+              <a:t>Frontend checks:</a:t>
+            </a:r>
+          </a:p>
+          <a:p>
+            <a:pPr>
+              <a:spcBef>
+                <a:spcPts val="150"/>
+              </a:spcBef>
+              <a:spcAft>
+                <a:spcPts val="150"/>
+              </a:spcAft>
+              <a:buFont typeface="Arial" panose="020B0604020202020204" pitchFamily="34" charset="0"/>
+              <a:buChar char="•"/>
+            </a:pPr>
+            <a:r>
+              <a:rPr lang="en-US" dirty="0">
+                <a:effectLst/>
+              </a:rPr>
+              <a:t>If no phone: blocks request, shows message to add/verify phone.</a:t>
+            </a:r>
+          </a:p>
+          <a:p>
+            <a:pPr>
+              <a:spcBef>
+                <a:spcPts val="150"/>
+              </a:spcBef>
+              <a:spcAft>
+                <a:spcPts val="150"/>
+              </a:spcAft>
+              <a:buFont typeface="Arial" panose="020B0604020202020204" pitchFamily="34" charset="0"/>
+              <a:buChar char="•"/>
+            </a:pPr>
+            <a:r>
+              <a:rPr lang="en-US" dirty="0">
+                <a:effectLst/>
+              </a:rPr>
+              <a:t>If phone exists but not verified/expired: blocks request, shows message.</a:t>
+            </a:r>
+          </a:p>
+          <a:p>
+            <a:pPr>
+              <a:spcBef>
+                <a:spcPts val="150"/>
+              </a:spcBef>
+              <a:spcAft>
+                <a:spcPts val="150"/>
+              </a:spcAft>
+              <a:buFont typeface="Arial" panose="020B0604020202020204" pitchFamily="34" charset="0"/>
+              <a:buChar char="•"/>
+            </a:pPr>
+            <a:r>
+              <a:rPr lang="en-US" dirty="0">
+                <a:effectLst/>
+              </a:rPr>
+              <a:t>Only when </a:t>
+            </a:r>
+            <a:r>
+              <a:rPr lang="en-US" dirty="0">
+                <a:effectLst/>
+                <a:latin typeface="Consolas" panose="020B0609020204030204" pitchFamily="49" charset="0"/>
+              </a:rPr>
+              <a:t>check-verification</a:t>
+            </a:r>
+            <a:r>
+              <a:rPr lang="en-US" dirty="0">
+                <a:effectLst/>
+              </a:rPr>
+              <a:t> returns </a:t>
+            </a:r>
+            <a:r>
+              <a:rPr lang="en-US" dirty="0">
+                <a:effectLst/>
+                <a:latin typeface="Consolas" panose="020B0609020204030204" pitchFamily="49" charset="0"/>
+              </a:rPr>
+              <a:t>verified: true</a:t>
+            </a:r>
+            <a:r>
+              <a:rPr lang="en-US" dirty="0">
+                <a:effectLst/>
+              </a:rPr>
+              <a:t> does it proceed to your existing validation + submit.</a:t>
+            </a:r>
+          </a:p>
+          <a:p>
+            <a:pPr>
+              <a:spcBef>
+                <a:spcPts val="150"/>
+              </a:spcBef>
+              <a:spcAft>
+                <a:spcPts val="150"/>
+              </a:spcAft>
+              <a:buFont typeface="Arial" panose="020B0604020202020204" pitchFamily="34" charset="0"/>
+              <a:buChar char="•"/>
+            </a:pPr>
+            <a:r>
+              <a:rPr lang="en-US" b="1" dirty="0">
+                <a:effectLst/>
+              </a:rPr>
+              <a:t>Backend double-checks</a:t>
+            </a:r>
+            <a:endParaRPr lang="en-US" dirty="0">
+              <a:effectLst/>
+            </a:endParaRPr>
+          </a:p>
+          <a:p>
+            <a:pPr>
+              <a:spcBef>
+                <a:spcPts val="150"/>
+              </a:spcBef>
+              <a:spcAft>
+                <a:spcPts val="150"/>
+              </a:spcAft>
+              <a:buFont typeface="Arial" panose="020B0604020202020204" pitchFamily="34" charset="0"/>
+              <a:buChar char="•"/>
+            </a:pPr>
+            <a:r>
+              <a:rPr lang="en-US" dirty="0">
+                <a:effectLst/>
+              </a:rPr>
+              <a:t>Even if someone bypasses the frontend, the API returns 400 unless:</a:t>
+            </a:r>
+          </a:p>
+          <a:p>
+            <a:pPr>
+              <a:spcBef>
+                <a:spcPts val="150"/>
+              </a:spcBef>
+              <a:spcAft>
+                <a:spcPts val="150"/>
+              </a:spcAft>
+              <a:buFont typeface="Arial" panose="020B0604020202020204" pitchFamily="34" charset="0"/>
+              <a:buChar char="•"/>
+            </a:pPr>
+            <a:r>
+              <a:rPr lang="en-US" dirty="0" err="1">
+                <a:effectLst/>
+                <a:latin typeface="Consolas" panose="020B0609020204030204" pitchFamily="49" charset="0"/>
+              </a:rPr>
+              <a:t>User.phone</a:t>
+            </a:r>
+            <a:r>
+              <a:rPr lang="en-US" dirty="0">
+                <a:effectLst/>
+              </a:rPr>
+              <a:t> exists, and</a:t>
+            </a:r>
+          </a:p>
+          <a:p>
+            <a:pPr>
+              <a:spcBef>
+                <a:spcPts val="150"/>
+              </a:spcBef>
+              <a:spcAft>
+                <a:spcPts val="150"/>
+              </a:spcAft>
+              <a:buFont typeface="Arial" panose="020B0604020202020204" pitchFamily="34" charset="0"/>
+              <a:buChar char="•"/>
+            </a:pPr>
+            <a:r>
+              <a:rPr lang="en-US" dirty="0">
+                <a:effectLst/>
+              </a:rPr>
+              <a:t>There’s a recent </a:t>
+            </a:r>
+            <a:r>
+              <a:rPr lang="en-US" dirty="0" err="1">
+                <a:effectLst/>
+                <a:latin typeface="Consolas" panose="020B0609020204030204" pitchFamily="49" charset="0"/>
+              </a:rPr>
+              <a:t>PhoneVerification</a:t>
+            </a:r>
+            <a:r>
+              <a:rPr lang="en-US" dirty="0">
+                <a:effectLst/>
+              </a:rPr>
+              <a:t> record with </a:t>
+            </a:r>
+            <a:r>
+              <a:rPr lang="en-US" dirty="0">
+                <a:effectLst/>
+                <a:latin typeface="Consolas" panose="020B0609020204030204" pitchFamily="49" charset="0"/>
+              </a:rPr>
+              <a:t>verified: true</a:t>
+            </a:r>
+            <a:r>
+              <a:rPr lang="en-US" dirty="0">
+                <a:effectLst/>
+              </a:rPr>
+              <a:t>.</a:t>
+            </a:r>
+          </a:p>
+          <a:p>
+            <a:pPr>
+              <a:buNone/>
+            </a:pPr>
+            <a:r>
+              <a:rPr lang="en-US" dirty="0">
+                <a:effectLst/>
+              </a:rPr>
+              <a:t>This combination ensures </a:t>
+            </a:r>
+            <a:r>
+              <a:rPr lang="en-US" b="1" dirty="0">
+                <a:effectLst/>
+              </a:rPr>
+              <a:t>bad / unverifiable phone numbers cannot produce leads</a:t>
+            </a:r>
+            <a:r>
+              <a:rPr lang="en-US" dirty="0">
+                <a:effectLst/>
+              </a:rPr>
+              <a:t> and matches your requirement:&gt; “if customer click ‘submit a request’ button, validate phone verification. if </a:t>
+            </a:r>
+            <a:r>
+              <a:rPr lang="en-US" dirty="0" err="1">
+                <a:effectLst/>
+              </a:rPr>
+              <a:t>successed</a:t>
+            </a:r>
+            <a:r>
+              <a:rPr lang="en-US" dirty="0">
+                <a:effectLst/>
+              </a:rPr>
+              <a:t>, run for </a:t>
+            </a:r>
+            <a:r>
+              <a:rPr lang="en-US" dirty="0" err="1">
+                <a:effectLst/>
+              </a:rPr>
+              <a:t>submitation</a:t>
+            </a:r>
+            <a:r>
+              <a:rPr lang="en-US" dirty="0">
+                <a:effectLst/>
+              </a:rPr>
+              <a:t> function.”</a:t>
+            </a:r>
+            <a:endParaRPr lang="en-US" dirty="0"/>
+          </a:p>
+        </p:txBody>
+      </p:sp>
+    </p:spTree>
+    <p:extLst>
+      <p:ext uri="{BB962C8B-B14F-4D97-AF65-F5344CB8AC3E}">
+        <p14:creationId xmlns:p14="http://schemas.microsoft.com/office/powerpoint/2010/main" val="2641683296"/>
       </p:ext>
     </p:extLst>
   </p:cSld>
